--- a/study/作品展示集.pptx
+++ b/study/作品展示集.pptx
@@ -6,6 +6,16 @@
   </p:sldMasterIdLst>
   <p:sldIdLst>
     <p:sldId id="256" r:id="rId2"/>
+    <p:sldId id="257" r:id="rId3"/>
+    <p:sldId id="258" r:id="rId4"/>
+    <p:sldId id="259" r:id="rId5"/>
+    <p:sldId id="265" r:id="rId6"/>
+    <p:sldId id="262" r:id="rId7"/>
+    <p:sldId id="260" r:id="rId8"/>
+    <p:sldId id="261" r:id="rId9"/>
+    <p:sldId id="263" r:id="rId10"/>
+    <p:sldId id="264" r:id="rId11"/>
+    <p:sldId id="266" r:id="rId12"/>
   </p:sldIdLst>
   <p:sldSz cx="9144000" cy="6858000" type="screen4x3"/>
   <p:notesSz cx="6858000" cy="9144000"/>
@@ -305,7 +315,7 @@
             <a:fld id="{1D8BD707-D9CF-40AE-B4C6-C98DA3205C09}" type="datetimeFigureOut">
               <a:rPr lang="en-US" smtClean="0"/>
               <a:pPr/>
-              <a:t>10/12/2021</a:t>
+              <a:t>11/4/2021</a:t>
             </a:fld>
             <a:endParaRPr lang="en-US"/>
           </a:p>
@@ -472,7 +482,7 @@
             <a:fld id="{1D8BD707-D9CF-40AE-B4C6-C98DA3205C09}" type="datetimeFigureOut">
               <a:rPr lang="en-US" smtClean="0"/>
               <a:pPr/>
-              <a:t>10/12/2021</a:t>
+              <a:t>11/4/2021</a:t>
             </a:fld>
             <a:endParaRPr lang="en-US"/>
           </a:p>
@@ -649,7 +659,7 @@
             <a:fld id="{1D8BD707-D9CF-40AE-B4C6-C98DA3205C09}" type="datetimeFigureOut">
               <a:rPr lang="en-US" smtClean="0"/>
               <a:pPr/>
-              <a:t>10/12/2021</a:t>
+              <a:t>11/4/2021</a:t>
             </a:fld>
             <a:endParaRPr lang="en-US"/>
           </a:p>
@@ -816,7 +826,7 @@
             <a:fld id="{1D8BD707-D9CF-40AE-B4C6-C98DA3205C09}" type="datetimeFigureOut">
               <a:rPr lang="en-US" smtClean="0"/>
               <a:pPr/>
-              <a:t>10/12/2021</a:t>
+              <a:t>11/4/2021</a:t>
             </a:fld>
             <a:endParaRPr lang="en-US"/>
           </a:p>
@@ -1059,7 +1069,7 @@
             <a:fld id="{1D8BD707-D9CF-40AE-B4C6-C98DA3205C09}" type="datetimeFigureOut">
               <a:rPr lang="en-US" smtClean="0"/>
               <a:pPr/>
-              <a:t>10/12/2021</a:t>
+              <a:t>11/4/2021</a:t>
             </a:fld>
             <a:endParaRPr lang="en-US"/>
           </a:p>
@@ -1344,7 +1354,7 @@
             <a:fld id="{1D8BD707-D9CF-40AE-B4C6-C98DA3205C09}" type="datetimeFigureOut">
               <a:rPr lang="en-US" smtClean="0"/>
               <a:pPr/>
-              <a:t>10/12/2021</a:t>
+              <a:t>11/4/2021</a:t>
             </a:fld>
             <a:endParaRPr lang="en-US"/>
           </a:p>
@@ -1763,7 +1773,7 @@
             <a:fld id="{1D8BD707-D9CF-40AE-B4C6-C98DA3205C09}" type="datetimeFigureOut">
               <a:rPr lang="en-US" smtClean="0"/>
               <a:pPr/>
-              <a:t>10/12/2021</a:t>
+              <a:t>11/4/2021</a:t>
             </a:fld>
             <a:endParaRPr lang="en-US"/>
           </a:p>
@@ -1878,7 +1888,7 @@
             <a:fld id="{1D8BD707-D9CF-40AE-B4C6-C98DA3205C09}" type="datetimeFigureOut">
               <a:rPr lang="en-US" smtClean="0"/>
               <a:pPr/>
-              <a:t>10/12/2021</a:t>
+              <a:t>11/4/2021</a:t>
             </a:fld>
             <a:endParaRPr lang="en-US"/>
           </a:p>
@@ -1970,7 +1980,7 @@
             <a:fld id="{1D8BD707-D9CF-40AE-B4C6-C98DA3205C09}" type="datetimeFigureOut">
               <a:rPr lang="en-US" smtClean="0"/>
               <a:pPr/>
-              <a:t>10/12/2021</a:t>
+              <a:t>11/4/2021</a:t>
             </a:fld>
             <a:endParaRPr lang="en-US"/>
           </a:p>
@@ -2244,7 +2254,7 @@
             <a:fld id="{1D8BD707-D9CF-40AE-B4C6-C98DA3205C09}" type="datetimeFigureOut">
               <a:rPr lang="en-US" smtClean="0"/>
               <a:pPr/>
-              <a:t>10/12/2021</a:t>
+              <a:t>11/4/2021</a:t>
             </a:fld>
             <a:endParaRPr lang="en-US"/>
           </a:p>
@@ -2494,7 +2504,7 @@
             <a:fld id="{1D8BD707-D9CF-40AE-B4C6-C98DA3205C09}" type="datetimeFigureOut">
               <a:rPr lang="en-US" smtClean="0"/>
               <a:pPr/>
-              <a:t>10/12/2021</a:t>
+              <a:t>11/4/2021</a:t>
             </a:fld>
             <a:endParaRPr lang="en-US"/>
           </a:p>
@@ -2704,7 +2714,7 @@
             <a:fld id="{1D8BD707-D9CF-40AE-B4C6-C98DA3205C09}" type="datetimeFigureOut">
               <a:rPr lang="en-US" smtClean="0"/>
               <a:pPr/>
-              <a:t>10/12/2021</a:t>
+              <a:t>11/4/2021</a:t>
             </a:fld>
             <a:endParaRPr lang="en-US"/>
           </a:p>
@@ -3282,6 +3292,1203 @@
     <p:extLst>
       <p:ext uri="{BB962C8B-B14F-4D97-AF65-F5344CB8AC3E}">
         <p14:creationId xmlns:p14="http://schemas.microsoft.com/office/powerpoint/2010/main" val="3417634049"/>
+      </p:ext>
+    </p:extLst>
+  </p:cSld>
+  <p:clrMapOvr>
+    <a:masterClrMapping/>
+  </p:clrMapOvr>
+</p:sld>
+</file>
+
+<file path=ppt/slides/slide10.xml><?xml version="1.0" encoding="utf-8"?>
+<p:sld xmlns:a="http://schemas.openxmlformats.org/drawingml/2006/main" xmlns:r="http://schemas.openxmlformats.org/officeDocument/2006/relationships" xmlns:p="http://schemas.openxmlformats.org/presentationml/2006/main">
+  <p:cSld>
+    <p:spTree>
+      <p:nvGrpSpPr>
+        <p:cNvPr id="1" name=""/>
+        <p:cNvGrpSpPr/>
+        <p:nvPr/>
+      </p:nvGrpSpPr>
+      <p:grpSpPr>
+        <a:xfrm>
+          <a:off x="0" y="0"/>
+          <a:ext cx="0" cy="0"/>
+          <a:chOff x="0" y="0"/>
+          <a:chExt cx="0" cy="0"/>
+        </a:xfrm>
+      </p:grpSpPr>
+      <p:sp>
+        <p:nvSpPr>
+          <p:cNvPr id="2" name="标题 1"/>
+          <p:cNvSpPr>
+            <a:spLocks noGrp="1"/>
+          </p:cNvSpPr>
+          <p:nvPr>
+            <p:ph type="title"/>
+          </p:nvPr>
+        </p:nvSpPr>
+        <p:spPr/>
+        <p:txBody>
+          <a:bodyPr/>
+          <a:lstStyle/>
+          <a:p>
+            <a:r>
+              <a:rPr lang="zh-CN" altLang="en-US" dirty="0" smtClean="0"/>
+              <a:t>后处理合集</a:t>
+            </a:r>
+            <a:r>
+              <a:rPr lang="en-US" altLang="zh-CN" dirty="0" smtClean="0"/>
+              <a:t>2</a:t>
+            </a:r>
+            <a:endParaRPr lang="zh-CN" altLang="en-US" dirty="0"/>
+          </a:p>
+        </p:txBody>
+      </p:sp>
+      <p:sp>
+        <p:nvSpPr>
+          <p:cNvPr id="3" name="内容占位符 2"/>
+          <p:cNvSpPr>
+            <a:spLocks noGrp="1"/>
+          </p:cNvSpPr>
+          <p:nvPr>
+            <p:ph idx="1"/>
+          </p:nvPr>
+        </p:nvSpPr>
+        <p:spPr/>
+        <p:txBody>
+          <a:bodyPr/>
+          <a:lstStyle/>
+          <a:p>
+            <a:endParaRPr lang="zh-CN" altLang="en-US"/>
+          </a:p>
+        </p:txBody>
+      </p:sp>
+    </p:spTree>
+    <p:extLst>
+      <p:ext uri="{BB962C8B-B14F-4D97-AF65-F5344CB8AC3E}">
+        <p14:creationId xmlns:p14="http://schemas.microsoft.com/office/powerpoint/2010/main" val="4118444239"/>
+      </p:ext>
+    </p:extLst>
+  </p:cSld>
+  <p:clrMapOvr>
+    <a:masterClrMapping/>
+  </p:clrMapOvr>
+</p:sld>
+</file>
+
+<file path=ppt/slides/slide11.xml><?xml version="1.0" encoding="utf-8"?>
+<p:sld xmlns:a="http://schemas.openxmlformats.org/drawingml/2006/main" xmlns:r="http://schemas.openxmlformats.org/officeDocument/2006/relationships" xmlns:p="http://schemas.openxmlformats.org/presentationml/2006/main">
+  <p:cSld>
+    <p:spTree>
+      <p:nvGrpSpPr>
+        <p:cNvPr id="1" name=""/>
+        <p:cNvGrpSpPr/>
+        <p:nvPr/>
+      </p:nvGrpSpPr>
+      <p:grpSpPr>
+        <a:xfrm>
+          <a:off x="0" y="0"/>
+          <a:ext cx="0" cy="0"/>
+          <a:chOff x="0" y="0"/>
+          <a:chExt cx="0" cy="0"/>
+        </a:xfrm>
+      </p:grpSpPr>
+      <p:sp>
+        <p:nvSpPr>
+          <p:cNvPr id="2" name="标题 1"/>
+          <p:cNvSpPr>
+            <a:spLocks noGrp="1"/>
+          </p:cNvSpPr>
+          <p:nvPr>
+            <p:ph type="title"/>
+          </p:nvPr>
+        </p:nvSpPr>
+        <p:spPr/>
+        <p:txBody>
+          <a:bodyPr/>
+          <a:lstStyle/>
+          <a:p>
+            <a:r>
+              <a:rPr lang="zh-CN" altLang="en-US" dirty="0" smtClean="0"/>
+              <a:t>后处理集合</a:t>
+            </a:r>
+            <a:r>
+              <a:rPr lang="en-US" altLang="zh-CN" dirty="0" smtClean="0"/>
+              <a:t>3</a:t>
+            </a:r>
+            <a:endParaRPr lang="zh-CN" altLang="en-US" dirty="0"/>
+          </a:p>
+        </p:txBody>
+      </p:sp>
+      <p:sp>
+        <p:nvSpPr>
+          <p:cNvPr id="3" name="内容占位符 2"/>
+          <p:cNvSpPr>
+            <a:spLocks noGrp="1"/>
+          </p:cNvSpPr>
+          <p:nvPr>
+            <p:ph idx="1"/>
+          </p:nvPr>
+        </p:nvSpPr>
+        <p:spPr/>
+        <p:txBody>
+          <a:bodyPr/>
+          <a:lstStyle/>
+          <a:p>
+            <a:endParaRPr lang="zh-CN" altLang="en-US"/>
+          </a:p>
+        </p:txBody>
+      </p:sp>
+    </p:spTree>
+    <p:extLst>
+      <p:ext uri="{BB962C8B-B14F-4D97-AF65-F5344CB8AC3E}">
+        <p14:creationId xmlns:p14="http://schemas.microsoft.com/office/powerpoint/2010/main" val="76163383"/>
+      </p:ext>
+    </p:extLst>
+  </p:cSld>
+  <p:clrMapOvr>
+    <a:masterClrMapping/>
+  </p:clrMapOvr>
+</p:sld>
+</file>
+
+<file path=ppt/slides/slide2.xml><?xml version="1.0" encoding="utf-8"?>
+<p:sld xmlns:a="http://schemas.openxmlformats.org/drawingml/2006/main" xmlns:r="http://schemas.openxmlformats.org/officeDocument/2006/relationships" xmlns:p="http://schemas.openxmlformats.org/presentationml/2006/main">
+  <p:cSld>
+    <p:spTree>
+      <p:nvGrpSpPr>
+        <p:cNvPr id="1" name=""/>
+        <p:cNvGrpSpPr/>
+        <p:nvPr/>
+      </p:nvGrpSpPr>
+      <p:grpSpPr>
+        <a:xfrm>
+          <a:off x="0" y="0"/>
+          <a:ext cx="0" cy="0"/>
+          <a:chOff x="0" y="0"/>
+          <a:chExt cx="0" cy="0"/>
+        </a:xfrm>
+      </p:grpSpPr>
+      <p:sp>
+        <p:nvSpPr>
+          <p:cNvPr id="2" name="标题 1"/>
+          <p:cNvSpPr>
+            <a:spLocks noGrp="1"/>
+          </p:cNvSpPr>
+          <p:nvPr>
+            <p:ph type="title"/>
+          </p:nvPr>
+        </p:nvSpPr>
+        <p:spPr/>
+        <p:txBody>
+          <a:bodyPr/>
+          <a:lstStyle/>
+          <a:p>
+            <a:r>
+              <a:rPr lang="en-US" altLang="zh-CN" dirty="0" smtClean="0"/>
+              <a:t>C++</a:t>
+            </a:r>
+            <a:r>
+              <a:rPr lang="zh-CN" altLang="en-US" dirty="0" smtClean="0"/>
+              <a:t>软光栅</a:t>
+            </a:r>
+            <a:endParaRPr lang="zh-CN" altLang="en-US" dirty="0"/>
+          </a:p>
+        </p:txBody>
+      </p:sp>
+      <p:pic>
+        <p:nvPicPr>
+          <p:cNvPr id="4" name="内容占位符 3"/>
+          <p:cNvPicPr>
+            <a:picLocks noGrp="1" noChangeAspect="1"/>
+          </p:cNvPicPr>
+          <p:nvPr>
+            <p:ph idx="1"/>
+          </p:nvPr>
+        </p:nvPicPr>
+        <p:blipFill>
+          <a:blip r:embed="rId2"/>
+          <a:stretch>
+            <a:fillRect/>
+          </a:stretch>
+        </p:blipFill>
+        <p:spPr>
+          <a:xfrm>
+            <a:off x="152400" y="1219200"/>
+            <a:ext cx="3638245" cy="2862510"/>
+          </a:xfrm>
+          <a:prstGeom prst="rect">
+            <a:avLst/>
+          </a:prstGeom>
+        </p:spPr>
+      </p:pic>
+      <p:pic>
+        <p:nvPicPr>
+          <p:cNvPr id="5" name="图片 4"/>
+          <p:cNvPicPr>
+            <a:picLocks noChangeAspect="1"/>
+          </p:cNvPicPr>
+          <p:nvPr/>
+        </p:nvPicPr>
+        <p:blipFill>
+          <a:blip r:embed="rId3"/>
+          <a:stretch>
+            <a:fillRect/>
+          </a:stretch>
+        </p:blipFill>
+        <p:spPr>
+          <a:xfrm>
+            <a:off x="2895600" y="3489430"/>
+            <a:ext cx="3920416" cy="3073684"/>
+          </a:xfrm>
+          <a:prstGeom prst="rect">
+            <a:avLst/>
+          </a:prstGeom>
+        </p:spPr>
+      </p:pic>
+      <p:pic>
+        <p:nvPicPr>
+          <p:cNvPr id="6" name="图片 5"/>
+          <p:cNvPicPr>
+            <a:picLocks noChangeAspect="1"/>
+          </p:cNvPicPr>
+          <p:nvPr/>
+        </p:nvPicPr>
+        <p:blipFill>
+          <a:blip r:embed="rId4"/>
+          <a:stretch>
+            <a:fillRect/>
+          </a:stretch>
+        </p:blipFill>
+        <p:spPr>
+          <a:xfrm>
+            <a:off x="5216435" y="1219200"/>
+            <a:ext cx="3809999" cy="2986087"/>
+          </a:xfrm>
+          <a:prstGeom prst="rect">
+            <a:avLst/>
+          </a:prstGeom>
+        </p:spPr>
+      </p:pic>
+      <p:sp>
+        <p:nvSpPr>
+          <p:cNvPr id="7" name="文本框 6"/>
+          <p:cNvSpPr txBox="1"/>
+          <p:nvPr/>
+        </p:nvSpPr>
+        <p:spPr>
+          <a:xfrm>
+            <a:off x="609600" y="4205287"/>
+            <a:ext cx="1338828" cy="646331"/>
+          </a:xfrm>
+          <a:prstGeom prst="rect">
+            <a:avLst/>
+          </a:prstGeom>
+          <a:noFill/>
+        </p:spPr>
+        <p:txBody>
+          <a:bodyPr wrap="none" rtlCol="0">
+            <a:spAutoFit/>
+          </a:bodyPr>
+          <a:lstStyle/>
+          <a:p>
+            <a:r>
+              <a:rPr lang="en-US" altLang="zh-CN" dirty="0" smtClean="0"/>
+              <a:t>PBR</a:t>
+            </a:r>
+            <a:r>
+              <a:rPr lang="zh-CN" altLang="en-US" dirty="0" smtClean="0"/>
+              <a:t>直接光</a:t>
+            </a:r>
+            <a:endParaRPr lang="en-US" altLang="zh-CN" dirty="0" smtClean="0"/>
+          </a:p>
+          <a:p>
+            <a:r>
+              <a:rPr lang="zh-CN" altLang="en-US" dirty="0" smtClean="0"/>
+              <a:t>（点光源）</a:t>
+            </a:r>
+            <a:endParaRPr lang="zh-CN" altLang="en-US" dirty="0"/>
+          </a:p>
+        </p:txBody>
+      </p:sp>
+      <p:sp>
+        <p:nvSpPr>
+          <p:cNvPr id="8" name="文本框 7"/>
+          <p:cNvSpPr txBox="1"/>
+          <p:nvPr/>
+        </p:nvSpPr>
+        <p:spPr>
+          <a:xfrm>
+            <a:off x="3880613" y="2742723"/>
+            <a:ext cx="1245854" cy="923330"/>
+          </a:xfrm>
+          <a:prstGeom prst="rect">
+            <a:avLst/>
+          </a:prstGeom>
+          <a:noFill/>
+        </p:spPr>
+        <p:txBody>
+          <a:bodyPr wrap="none" rtlCol="0">
+            <a:spAutoFit/>
+          </a:bodyPr>
+          <a:lstStyle/>
+          <a:p>
+            <a:r>
+              <a:rPr lang="en-US" altLang="zh-CN" dirty="0" smtClean="0"/>
+              <a:t>PBR</a:t>
+            </a:r>
+            <a:r>
+              <a:rPr lang="zh-CN" altLang="en-US" dirty="0" smtClean="0"/>
+              <a:t>直接光</a:t>
+            </a:r>
+            <a:endParaRPr lang="en-US" altLang="zh-CN" dirty="0" smtClean="0"/>
+          </a:p>
+          <a:p>
+            <a:r>
+              <a:rPr lang="en-US" altLang="zh-CN" dirty="0"/>
+              <a:t>(</a:t>
+            </a:r>
+            <a:r>
+              <a:rPr lang="zh-CN" altLang="en-US" dirty="0" smtClean="0"/>
+              <a:t>点光源</a:t>
+            </a:r>
+            <a:r>
+              <a:rPr lang="en-US" altLang="zh-CN" dirty="0" smtClean="0"/>
+              <a:t>+</a:t>
+            </a:r>
+          </a:p>
+          <a:p>
+            <a:r>
+              <a:rPr lang="zh-CN" altLang="en-US" dirty="0" smtClean="0"/>
+              <a:t>平行光</a:t>
+            </a:r>
+            <a:r>
+              <a:rPr lang="en-US" altLang="zh-CN" dirty="0" smtClean="0"/>
+              <a:t>)</a:t>
+            </a:r>
+            <a:endParaRPr lang="zh-CN" altLang="en-US" dirty="0"/>
+          </a:p>
+        </p:txBody>
+      </p:sp>
+      <p:sp>
+        <p:nvSpPr>
+          <p:cNvPr id="9" name="文本框 8"/>
+          <p:cNvSpPr txBox="1"/>
+          <p:nvPr/>
+        </p:nvSpPr>
+        <p:spPr>
+          <a:xfrm>
+            <a:off x="7347972" y="4229236"/>
+            <a:ext cx="1361270" cy="923330"/>
+          </a:xfrm>
+          <a:prstGeom prst="rect">
+            <a:avLst/>
+          </a:prstGeom>
+          <a:noFill/>
+        </p:spPr>
+        <p:txBody>
+          <a:bodyPr wrap="none" rtlCol="0">
+            <a:spAutoFit/>
+          </a:bodyPr>
+          <a:lstStyle/>
+          <a:p>
+            <a:r>
+              <a:rPr lang="en-US" altLang="zh-CN" dirty="0" smtClean="0"/>
+              <a:t>PBR</a:t>
+            </a:r>
+            <a:r>
+              <a:rPr lang="zh-CN" altLang="en-US" dirty="0" smtClean="0"/>
+              <a:t>直接光</a:t>
+            </a:r>
+            <a:r>
+              <a:rPr lang="en-US" altLang="zh-CN" dirty="0" smtClean="0"/>
+              <a:t>+</a:t>
+            </a:r>
+          </a:p>
+          <a:p>
+            <a:r>
+              <a:rPr lang="en-US" altLang="zh-CN" dirty="0" smtClean="0"/>
+              <a:t>IBL</a:t>
+            </a:r>
+            <a:r>
+              <a:rPr lang="zh-CN" altLang="en-US" dirty="0"/>
+              <a:t>间接</a:t>
+            </a:r>
+            <a:r>
+              <a:rPr lang="zh-CN" altLang="en-US" dirty="0" smtClean="0"/>
+              <a:t>光</a:t>
+            </a:r>
+            <a:r>
+              <a:rPr lang="en-US" altLang="zh-CN" dirty="0" smtClean="0"/>
+              <a:t>+</a:t>
+            </a:r>
+          </a:p>
+          <a:p>
+            <a:r>
+              <a:rPr lang="zh-CN" altLang="en-US" dirty="0" smtClean="0"/>
+              <a:t>天空盒</a:t>
+            </a:r>
+            <a:endParaRPr lang="en-US" altLang="zh-CN" dirty="0" smtClean="0"/>
+          </a:p>
+        </p:txBody>
+      </p:sp>
+    </p:spTree>
+    <p:extLst>
+      <p:ext uri="{BB962C8B-B14F-4D97-AF65-F5344CB8AC3E}">
+        <p14:creationId xmlns:p14="http://schemas.microsoft.com/office/powerpoint/2010/main" val="372293784"/>
+      </p:ext>
+    </p:extLst>
+  </p:cSld>
+  <p:clrMapOvr>
+    <a:masterClrMapping/>
+  </p:clrMapOvr>
+</p:sld>
+</file>
+
+<file path=ppt/slides/slide3.xml><?xml version="1.0" encoding="utf-8"?>
+<p:sld xmlns:a="http://schemas.openxmlformats.org/drawingml/2006/main" xmlns:r="http://schemas.openxmlformats.org/officeDocument/2006/relationships" xmlns:p="http://schemas.openxmlformats.org/presentationml/2006/main">
+  <p:cSld>
+    <p:spTree>
+      <p:nvGrpSpPr>
+        <p:cNvPr id="1" name=""/>
+        <p:cNvGrpSpPr/>
+        <p:nvPr/>
+      </p:nvGrpSpPr>
+      <p:grpSpPr>
+        <a:xfrm>
+          <a:off x="0" y="0"/>
+          <a:ext cx="0" cy="0"/>
+          <a:chOff x="0" y="0"/>
+          <a:chExt cx="0" cy="0"/>
+        </a:xfrm>
+      </p:grpSpPr>
+      <p:sp>
+        <p:nvSpPr>
+          <p:cNvPr id="2" name="标题 1"/>
+          <p:cNvSpPr>
+            <a:spLocks noGrp="1"/>
+          </p:cNvSpPr>
+          <p:nvPr>
+            <p:ph type="title"/>
+          </p:nvPr>
+        </p:nvSpPr>
+        <p:spPr/>
+        <p:txBody>
+          <a:bodyPr/>
+          <a:lstStyle/>
+          <a:p>
+            <a:r>
+              <a:rPr lang="zh-CN" altLang="en-US" dirty="0" smtClean="0"/>
+              <a:t>论文复现：</a:t>
+            </a:r>
+            <a:r>
+              <a:rPr lang="en-US" altLang="zh-CN" dirty="0" smtClean="0"/>
+              <a:t>RSM</a:t>
+            </a:r>
+            <a:r>
+              <a:rPr lang="zh-CN" altLang="en-US" dirty="0" smtClean="0"/>
+              <a:t>实时全局光照</a:t>
+            </a:r>
+            <a:endParaRPr lang="zh-CN" altLang="en-US" dirty="0"/>
+          </a:p>
+        </p:txBody>
+      </p:sp>
+      <p:pic>
+        <p:nvPicPr>
+          <p:cNvPr id="4" name="内容占位符 3"/>
+          <p:cNvPicPr>
+            <a:picLocks noGrp="1" noChangeAspect="1"/>
+          </p:cNvPicPr>
+          <p:nvPr>
+            <p:ph idx="1"/>
+          </p:nvPr>
+        </p:nvPicPr>
+        <p:blipFill>
+          <a:blip r:embed="rId2"/>
+          <a:stretch>
+            <a:fillRect/>
+          </a:stretch>
+        </p:blipFill>
+        <p:spPr>
+          <a:xfrm>
+            <a:off x="4649885" y="1455170"/>
+            <a:ext cx="4036915" cy="3032470"/>
+          </a:xfrm>
+          <a:prstGeom prst="rect">
+            <a:avLst/>
+          </a:prstGeom>
+        </p:spPr>
+      </p:pic>
+      <p:pic>
+        <p:nvPicPr>
+          <p:cNvPr id="6" name="图片 5"/>
+          <p:cNvPicPr>
+            <a:picLocks noChangeAspect="1"/>
+          </p:cNvPicPr>
+          <p:nvPr/>
+        </p:nvPicPr>
+        <p:blipFill>
+          <a:blip r:embed="rId3"/>
+          <a:stretch>
+            <a:fillRect/>
+          </a:stretch>
+        </p:blipFill>
+        <p:spPr>
+          <a:xfrm>
+            <a:off x="481149" y="1456440"/>
+            <a:ext cx="4035225" cy="3031200"/>
+          </a:xfrm>
+          <a:prstGeom prst="rect">
+            <a:avLst/>
+          </a:prstGeom>
+        </p:spPr>
+      </p:pic>
+      <p:sp>
+        <p:nvSpPr>
+          <p:cNvPr id="7" name="文本框 6"/>
+          <p:cNvSpPr txBox="1"/>
+          <p:nvPr/>
+        </p:nvSpPr>
+        <p:spPr>
+          <a:xfrm>
+            <a:off x="1828800" y="4526442"/>
+            <a:ext cx="1071319" cy="369332"/>
+          </a:xfrm>
+          <a:prstGeom prst="rect">
+            <a:avLst/>
+          </a:prstGeom>
+          <a:noFill/>
+        </p:spPr>
+        <p:txBody>
+          <a:bodyPr wrap="none" rtlCol="0">
+            <a:spAutoFit/>
+          </a:bodyPr>
+          <a:lstStyle/>
+          <a:p>
+            <a:r>
+              <a:rPr lang="zh-CN" altLang="en-US" dirty="0" smtClean="0"/>
+              <a:t>关闭</a:t>
+            </a:r>
+            <a:r>
+              <a:rPr lang="en-US" altLang="zh-CN" dirty="0"/>
+              <a:t>RSM</a:t>
+            </a:r>
+            <a:endParaRPr lang="zh-CN" altLang="en-US" dirty="0"/>
+          </a:p>
+        </p:txBody>
+      </p:sp>
+      <p:sp>
+        <p:nvSpPr>
+          <p:cNvPr id="8" name="文本框 7"/>
+          <p:cNvSpPr txBox="1"/>
+          <p:nvPr/>
+        </p:nvSpPr>
+        <p:spPr>
+          <a:xfrm>
+            <a:off x="5382477" y="4526442"/>
+            <a:ext cx="2571730" cy="369332"/>
+          </a:xfrm>
+          <a:prstGeom prst="rect">
+            <a:avLst/>
+          </a:prstGeom>
+          <a:noFill/>
+        </p:spPr>
+        <p:txBody>
+          <a:bodyPr wrap="none" rtlCol="0">
+            <a:spAutoFit/>
+          </a:bodyPr>
+          <a:lstStyle/>
+          <a:p>
+            <a:r>
+              <a:rPr lang="zh-CN" altLang="en-US" dirty="0"/>
+              <a:t>开启</a:t>
+            </a:r>
+            <a:r>
+              <a:rPr lang="en-US" altLang="zh-CN" dirty="0" smtClean="0"/>
+              <a:t>RSM+</a:t>
+            </a:r>
+            <a:r>
+              <a:rPr lang="zh-CN" altLang="en-US" dirty="0" smtClean="0"/>
+              <a:t>自定义后处理</a:t>
+            </a:r>
+            <a:endParaRPr lang="zh-CN" altLang="en-US" dirty="0"/>
+          </a:p>
+        </p:txBody>
+      </p:sp>
+      <p:sp>
+        <p:nvSpPr>
+          <p:cNvPr id="9" name="文本框 8"/>
+          <p:cNvSpPr txBox="1"/>
+          <p:nvPr/>
+        </p:nvSpPr>
+        <p:spPr>
+          <a:xfrm>
+            <a:off x="228600" y="5334000"/>
+            <a:ext cx="8970917" cy="646331"/>
+          </a:xfrm>
+          <a:prstGeom prst="rect">
+            <a:avLst/>
+          </a:prstGeom>
+          <a:noFill/>
+        </p:spPr>
+        <p:txBody>
+          <a:bodyPr wrap="none" rtlCol="0">
+            <a:spAutoFit/>
+          </a:bodyPr>
+          <a:lstStyle/>
+          <a:p>
+            <a:r>
+              <a:rPr lang="en-US" altLang="zh-CN" dirty="0" smtClean="0"/>
+              <a:t>Demo</a:t>
+            </a:r>
+            <a:r>
+              <a:rPr lang="zh-CN" altLang="en-US" dirty="0" smtClean="0"/>
+              <a:t>基于</a:t>
+            </a:r>
+            <a:r>
+              <a:rPr lang="en-US" altLang="zh-CN" dirty="0" err="1" smtClean="0"/>
+              <a:t>UnitySRP</a:t>
+            </a:r>
+            <a:r>
+              <a:rPr lang="zh-CN" altLang="en-US" dirty="0" smtClean="0"/>
+              <a:t>自定义管线实现。</a:t>
+            </a:r>
+            <a:r>
+              <a:rPr lang="en-US" altLang="zh-CN" dirty="0" smtClean="0"/>
+              <a:t>RSM</a:t>
+            </a:r>
+            <a:r>
+              <a:rPr lang="zh-CN" altLang="en-US" dirty="0" smtClean="0"/>
+              <a:t>支持一次</a:t>
+            </a:r>
+            <a:r>
+              <a:rPr lang="en-US" altLang="zh-CN" dirty="0" smtClean="0"/>
+              <a:t>Bounce</a:t>
+            </a:r>
+            <a:r>
+              <a:rPr lang="zh-CN" altLang="en-US" dirty="0" smtClean="0"/>
+              <a:t>，且适合做小场景单光源的。</a:t>
+            </a:r>
+            <a:endParaRPr lang="en-US" altLang="zh-CN" dirty="0" smtClean="0"/>
+          </a:p>
+          <a:p>
+            <a:r>
+              <a:rPr lang="en-US" altLang="zh-CN" dirty="0" err="1" smtClean="0"/>
+              <a:t>Sponza</a:t>
+            </a:r>
+            <a:r>
+              <a:rPr lang="zh-CN" altLang="en-US" dirty="0" smtClean="0"/>
+              <a:t>场景太大，阴影改为</a:t>
+            </a:r>
+            <a:r>
+              <a:rPr lang="en-US" altLang="zh-CN" dirty="0" smtClean="0"/>
+              <a:t>Cascade</a:t>
+            </a:r>
+            <a:r>
+              <a:rPr lang="zh-CN" altLang="en-US" dirty="0" smtClean="0"/>
+              <a:t>形式效果会更好且效率也应该会有所提升</a:t>
+            </a:r>
+            <a:endParaRPr lang="zh-CN" altLang="en-US" dirty="0"/>
+          </a:p>
+        </p:txBody>
+      </p:sp>
+    </p:spTree>
+    <p:extLst>
+      <p:ext uri="{BB962C8B-B14F-4D97-AF65-F5344CB8AC3E}">
+        <p14:creationId xmlns:p14="http://schemas.microsoft.com/office/powerpoint/2010/main" val="1200161671"/>
+      </p:ext>
+    </p:extLst>
+  </p:cSld>
+  <p:clrMapOvr>
+    <a:masterClrMapping/>
+  </p:clrMapOvr>
+</p:sld>
+</file>
+
+<file path=ppt/slides/slide4.xml><?xml version="1.0" encoding="utf-8"?>
+<p:sld xmlns:a="http://schemas.openxmlformats.org/drawingml/2006/main" xmlns:r="http://schemas.openxmlformats.org/officeDocument/2006/relationships" xmlns:p="http://schemas.openxmlformats.org/presentationml/2006/main">
+  <p:cSld>
+    <p:spTree>
+      <p:nvGrpSpPr>
+        <p:cNvPr id="1" name=""/>
+        <p:cNvGrpSpPr/>
+        <p:nvPr/>
+      </p:nvGrpSpPr>
+      <p:grpSpPr>
+        <a:xfrm>
+          <a:off x="0" y="0"/>
+          <a:ext cx="0" cy="0"/>
+          <a:chOff x="0" y="0"/>
+          <a:chExt cx="0" cy="0"/>
+        </a:xfrm>
+      </p:grpSpPr>
+      <p:sp>
+        <p:nvSpPr>
+          <p:cNvPr id="2" name="标题 1"/>
+          <p:cNvSpPr>
+            <a:spLocks noGrp="1"/>
+          </p:cNvSpPr>
+          <p:nvPr>
+            <p:ph type="title"/>
+          </p:nvPr>
+        </p:nvSpPr>
+        <p:spPr/>
+        <p:txBody>
+          <a:bodyPr>
+            <a:normAutofit fontScale="90000"/>
+          </a:bodyPr>
+          <a:lstStyle/>
+          <a:p>
+            <a:r>
+              <a:rPr lang="zh-CN" altLang="en-US" dirty="0" smtClean="0"/>
+              <a:t>论文复现：</a:t>
+            </a:r>
+            <a:r>
+              <a:rPr lang="en-US" altLang="zh-CN" dirty="0" err="1" smtClean="0"/>
+              <a:t>VSM+NonUnimformBlur</a:t>
+            </a:r>
+            <a:endParaRPr lang="zh-CN" altLang="en-US" dirty="0"/>
+          </a:p>
+        </p:txBody>
+      </p:sp>
+      <p:sp>
+        <p:nvSpPr>
+          <p:cNvPr id="3" name="内容占位符 2"/>
+          <p:cNvSpPr>
+            <a:spLocks noGrp="1"/>
+          </p:cNvSpPr>
+          <p:nvPr>
+            <p:ph idx="1"/>
+          </p:nvPr>
+        </p:nvSpPr>
+        <p:spPr/>
+        <p:txBody>
+          <a:bodyPr/>
+          <a:lstStyle/>
+          <a:p>
+            <a:endParaRPr lang="zh-CN" altLang="en-US"/>
+          </a:p>
+        </p:txBody>
+      </p:sp>
+    </p:spTree>
+    <p:extLst>
+      <p:ext uri="{BB962C8B-B14F-4D97-AF65-F5344CB8AC3E}">
+        <p14:creationId xmlns:p14="http://schemas.microsoft.com/office/powerpoint/2010/main" val="1294846518"/>
+      </p:ext>
+    </p:extLst>
+  </p:cSld>
+  <p:clrMapOvr>
+    <a:masterClrMapping/>
+  </p:clrMapOvr>
+</p:sld>
+</file>
+
+<file path=ppt/slides/slide5.xml><?xml version="1.0" encoding="utf-8"?>
+<p:sld xmlns:a="http://schemas.openxmlformats.org/drawingml/2006/main" xmlns:r="http://schemas.openxmlformats.org/officeDocument/2006/relationships" xmlns:p="http://schemas.openxmlformats.org/presentationml/2006/main">
+  <p:cSld>
+    <p:spTree>
+      <p:nvGrpSpPr>
+        <p:cNvPr id="1" name=""/>
+        <p:cNvGrpSpPr/>
+        <p:nvPr/>
+      </p:nvGrpSpPr>
+      <p:grpSpPr>
+        <a:xfrm>
+          <a:off x="0" y="0"/>
+          <a:ext cx="0" cy="0"/>
+          <a:chOff x="0" y="0"/>
+          <a:chExt cx="0" cy="0"/>
+        </a:xfrm>
+      </p:grpSpPr>
+      <p:sp>
+        <p:nvSpPr>
+          <p:cNvPr id="2" name="标题 1"/>
+          <p:cNvSpPr>
+            <a:spLocks noGrp="1"/>
+          </p:cNvSpPr>
+          <p:nvPr>
+            <p:ph type="title"/>
+          </p:nvPr>
+        </p:nvSpPr>
+        <p:spPr/>
+        <p:txBody>
+          <a:bodyPr>
+            <a:normAutofit/>
+          </a:bodyPr>
+          <a:lstStyle/>
+          <a:p>
+            <a:r>
+              <a:rPr lang="zh-CN" altLang="en-US" dirty="0" smtClean="0"/>
+              <a:t>论文复现：</a:t>
+            </a:r>
+            <a:r>
+              <a:rPr lang="en-US" altLang="zh-CN" dirty="0" smtClean="0"/>
+              <a:t>Single Depth Peeling</a:t>
+            </a:r>
+            <a:endParaRPr lang="zh-CN" altLang="en-US" dirty="0"/>
+          </a:p>
+        </p:txBody>
+      </p:sp>
+      <p:sp>
+        <p:nvSpPr>
+          <p:cNvPr id="3" name="内容占位符 2"/>
+          <p:cNvSpPr>
+            <a:spLocks noGrp="1"/>
+          </p:cNvSpPr>
+          <p:nvPr>
+            <p:ph idx="1"/>
+          </p:nvPr>
+        </p:nvSpPr>
+        <p:spPr/>
+        <p:txBody>
+          <a:bodyPr/>
+          <a:lstStyle/>
+          <a:p>
+            <a:pPr marL="0" indent="0">
+              <a:buNone/>
+            </a:pPr>
+            <a:endParaRPr lang="zh-CN" altLang="en-US" dirty="0"/>
+          </a:p>
+        </p:txBody>
+      </p:sp>
+    </p:spTree>
+    <p:extLst>
+      <p:ext uri="{BB962C8B-B14F-4D97-AF65-F5344CB8AC3E}">
+        <p14:creationId xmlns:p14="http://schemas.microsoft.com/office/powerpoint/2010/main" val="2737494921"/>
+      </p:ext>
+    </p:extLst>
+  </p:cSld>
+  <p:clrMapOvr>
+    <a:masterClrMapping/>
+  </p:clrMapOvr>
+</p:sld>
+</file>
+
+<file path=ppt/slides/slide6.xml><?xml version="1.0" encoding="utf-8"?>
+<p:sld xmlns:a="http://schemas.openxmlformats.org/drawingml/2006/main" xmlns:r="http://schemas.openxmlformats.org/officeDocument/2006/relationships" xmlns:p="http://schemas.openxmlformats.org/presentationml/2006/main">
+  <p:cSld>
+    <p:spTree>
+      <p:nvGrpSpPr>
+        <p:cNvPr id="1" name=""/>
+        <p:cNvGrpSpPr/>
+        <p:nvPr/>
+      </p:nvGrpSpPr>
+      <p:grpSpPr>
+        <a:xfrm>
+          <a:off x="0" y="0"/>
+          <a:ext cx="0" cy="0"/>
+          <a:chOff x="0" y="0"/>
+          <a:chExt cx="0" cy="0"/>
+        </a:xfrm>
+      </p:grpSpPr>
+      <p:sp>
+        <p:nvSpPr>
+          <p:cNvPr id="2" name="标题 1"/>
+          <p:cNvSpPr>
+            <a:spLocks noGrp="1"/>
+          </p:cNvSpPr>
+          <p:nvPr>
+            <p:ph type="title"/>
+          </p:nvPr>
+        </p:nvSpPr>
+        <p:spPr/>
+        <p:txBody>
+          <a:bodyPr/>
+          <a:lstStyle/>
+          <a:p>
+            <a:r>
+              <a:rPr lang="en-US" altLang="zh-CN" dirty="0" smtClean="0"/>
+              <a:t>IBL</a:t>
+            </a:r>
+            <a:r>
+              <a:rPr lang="zh-CN" altLang="en-US" dirty="0"/>
+              <a:t>预计</a:t>
+            </a:r>
+            <a:r>
+              <a:rPr lang="zh-CN" altLang="en-US" dirty="0" smtClean="0"/>
+              <a:t>算三件套</a:t>
+            </a:r>
+            <a:endParaRPr lang="zh-CN" altLang="en-US" dirty="0"/>
+          </a:p>
+        </p:txBody>
+      </p:sp>
+      <p:sp>
+        <p:nvSpPr>
+          <p:cNvPr id="3" name="内容占位符 2"/>
+          <p:cNvSpPr>
+            <a:spLocks noGrp="1"/>
+          </p:cNvSpPr>
+          <p:nvPr>
+            <p:ph idx="1"/>
+          </p:nvPr>
+        </p:nvSpPr>
+        <p:spPr/>
+        <p:txBody>
+          <a:bodyPr/>
+          <a:lstStyle/>
+          <a:p>
+            <a:pPr marL="0" indent="0">
+              <a:buNone/>
+            </a:pPr>
+            <a:endParaRPr lang="zh-CN" altLang="en-US" dirty="0"/>
+          </a:p>
+        </p:txBody>
+      </p:sp>
+    </p:spTree>
+    <p:extLst>
+      <p:ext uri="{BB962C8B-B14F-4D97-AF65-F5344CB8AC3E}">
+        <p14:creationId xmlns:p14="http://schemas.microsoft.com/office/powerpoint/2010/main" val="79208571"/>
+      </p:ext>
+    </p:extLst>
+  </p:cSld>
+  <p:clrMapOvr>
+    <a:masterClrMapping/>
+  </p:clrMapOvr>
+</p:sld>
+</file>
+
+<file path=ppt/slides/slide7.xml><?xml version="1.0" encoding="utf-8"?>
+<p:sld xmlns:a="http://schemas.openxmlformats.org/drawingml/2006/main" xmlns:r="http://schemas.openxmlformats.org/officeDocument/2006/relationships" xmlns:p="http://schemas.openxmlformats.org/presentationml/2006/main">
+  <p:cSld>
+    <p:spTree>
+      <p:nvGrpSpPr>
+        <p:cNvPr id="1" name=""/>
+        <p:cNvGrpSpPr/>
+        <p:nvPr/>
+      </p:nvGrpSpPr>
+      <p:grpSpPr>
+        <a:xfrm>
+          <a:off x="0" y="0"/>
+          <a:ext cx="0" cy="0"/>
+          <a:chOff x="0" y="0"/>
+          <a:chExt cx="0" cy="0"/>
+        </a:xfrm>
+      </p:grpSpPr>
+      <p:sp>
+        <p:nvSpPr>
+          <p:cNvPr id="2" name="标题 1"/>
+          <p:cNvSpPr>
+            <a:spLocks noGrp="1"/>
+          </p:cNvSpPr>
+          <p:nvPr>
+            <p:ph type="title"/>
+          </p:nvPr>
+        </p:nvSpPr>
+        <p:spPr/>
+        <p:txBody>
+          <a:bodyPr/>
+          <a:lstStyle/>
+          <a:p>
+            <a:r>
+              <a:rPr lang="zh-CN" altLang="en-US" dirty="0" smtClean="0"/>
+              <a:t>阴影</a:t>
+            </a:r>
+            <a:r>
+              <a:rPr lang="en-US" altLang="zh-CN" dirty="0" smtClean="0"/>
+              <a:t>1</a:t>
+            </a:r>
+            <a:r>
+              <a:rPr lang="zh-CN" altLang="en-US" dirty="0" smtClean="0"/>
+              <a:t>：</a:t>
+            </a:r>
+            <a:r>
+              <a:rPr lang="en-US" altLang="zh-CN" dirty="0" smtClean="0"/>
+              <a:t>CSM+PCF</a:t>
+            </a:r>
+            <a:endParaRPr lang="zh-CN" altLang="en-US" dirty="0"/>
+          </a:p>
+        </p:txBody>
+      </p:sp>
+      <p:sp>
+        <p:nvSpPr>
+          <p:cNvPr id="3" name="内容占位符 2"/>
+          <p:cNvSpPr>
+            <a:spLocks noGrp="1"/>
+          </p:cNvSpPr>
+          <p:nvPr>
+            <p:ph idx="1"/>
+          </p:nvPr>
+        </p:nvSpPr>
+        <p:spPr/>
+        <p:txBody>
+          <a:bodyPr/>
+          <a:lstStyle/>
+          <a:p>
+            <a:pPr marL="0" indent="0">
+              <a:buNone/>
+            </a:pPr>
+            <a:endParaRPr lang="zh-CN" altLang="en-US" dirty="0"/>
+          </a:p>
+        </p:txBody>
+      </p:sp>
+    </p:spTree>
+    <p:extLst>
+      <p:ext uri="{BB962C8B-B14F-4D97-AF65-F5344CB8AC3E}">
+        <p14:creationId xmlns:p14="http://schemas.microsoft.com/office/powerpoint/2010/main" val="2019711277"/>
+      </p:ext>
+    </p:extLst>
+  </p:cSld>
+  <p:clrMapOvr>
+    <a:masterClrMapping/>
+  </p:clrMapOvr>
+</p:sld>
+</file>
+
+<file path=ppt/slides/slide8.xml><?xml version="1.0" encoding="utf-8"?>
+<p:sld xmlns:a="http://schemas.openxmlformats.org/drawingml/2006/main" xmlns:r="http://schemas.openxmlformats.org/officeDocument/2006/relationships" xmlns:p="http://schemas.openxmlformats.org/presentationml/2006/main">
+  <p:cSld>
+    <p:spTree>
+      <p:nvGrpSpPr>
+        <p:cNvPr id="1" name=""/>
+        <p:cNvGrpSpPr/>
+        <p:nvPr/>
+      </p:nvGrpSpPr>
+      <p:grpSpPr>
+        <a:xfrm>
+          <a:off x="0" y="0"/>
+          <a:ext cx="0" cy="0"/>
+          <a:chOff x="0" y="0"/>
+          <a:chExt cx="0" cy="0"/>
+        </a:xfrm>
+      </p:grpSpPr>
+      <p:sp>
+        <p:nvSpPr>
+          <p:cNvPr id="2" name="标题 1"/>
+          <p:cNvSpPr>
+            <a:spLocks noGrp="1"/>
+          </p:cNvSpPr>
+          <p:nvPr>
+            <p:ph type="title"/>
+          </p:nvPr>
+        </p:nvSpPr>
+        <p:spPr/>
+        <p:txBody>
+          <a:bodyPr/>
+          <a:lstStyle/>
+          <a:p>
+            <a:r>
+              <a:rPr lang="zh-CN" altLang="en-US" dirty="0" smtClean="0"/>
+              <a:t>阴影</a:t>
+            </a:r>
+            <a:r>
+              <a:rPr lang="en-US" altLang="zh-CN" dirty="0" smtClean="0"/>
+              <a:t>2</a:t>
+            </a:r>
+            <a:r>
+              <a:rPr lang="zh-CN" altLang="en-US" dirty="0" smtClean="0"/>
+              <a:t>：</a:t>
+            </a:r>
+            <a:r>
+              <a:rPr lang="en-US" altLang="zh-CN" dirty="0" smtClean="0"/>
+              <a:t>ESM/SSSM</a:t>
+            </a:r>
+            <a:endParaRPr lang="zh-CN" altLang="en-US" dirty="0"/>
+          </a:p>
+        </p:txBody>
+      </p:sp>
+      <p:sp>
+        <p:nvSpPr>
+          <p:cNvPr id="3" name="内容占位符 2"/>
+          <p:cNvSpPr>
+            <a:spLocks noGrp="1"/>
+          </p:cNvSpPr>
+          <p:nvPr>
+            <p:ph idx="1"/>
+          </p:nvPr>
+        </p:nvSpPr>
+        <p:spPr/>
+        <p:txBody>
+          <a:bodyPr/>
+          <a:lstStyle/>
+          <a:p>
+            <a:pPr marL="0" indent="0">
+              <a:buNone/>
+            </a:pPr>
+            <a:endParaRPr lang="zh-CN" altLang="en-US" dirty="0"/>
+          </a:p>
+        </p:txBody>
+      </p:sp>
+    </p:spTree>
+    <p:extLst>
+      <p:ext uri="{BB962C8B-B14F-4D97-AF65-F5344CB8AC3E}">
+        <p14:creationId xmlns:p14="http://schemas.microsoft.com/office/powerpoint/2010/main" val="3564663864"/>
+      </p:ext>
+    </p:extLst>
+  </p:cSld>
+  <p:clrMapOvr>
+    <a:masterClrMapping/>
+  </p:clrMapOvr>
+</p:sld>
+</file>
+
+<file path=ppt/slides/slide9.xml><?xml version="1.0" encoding="utf-8"?>
+<p:sld xmlns:a="http://schemas.openxmlformats.org/drawingml/2006/main" xmlns:r="http://schemas.openxmlformats.org/officeDocument/2006/relationships" xmlns:p="http://schemas.openxmlformats.org/presentationml/2006/main">
+  <p:cSld>
+    <p:spTree>
+      <p:nvGrpSpPr>
+        <p:cNvPr id="1" name=""/>
+        <p:cNvGrpSpPr/>
+        <p:nvPr/>
+      </p:nvGrpSpPr>
+      <p:grpSpPr>
+        <a:xfrm>
+          <a:off x="0" y="0"/>
+          <a:ext cx="0" cy="0"/>
+          <a:chOff x="0" y="0"/>
+          <a:chExt cx="0" cy="0"/>
+        </a:xfrm>
+      </p:grpSpPr>
+      <p:sp>
+        <p:nvSpPr>
+          <p:cNvPr id="2" name="标题 1"/>
+          <p:cNvSpPr>
+            <a:spLocks noGrp="1"/>
+          </p:cNvSpPr>
+          <p:nvPr>
+            <p:ph type="title"/>
+          </p:nvPr>
+        </p:nvSpPr>
+        <p:spPr/>
+        <p:txBody>
+          <a:bodyPr/>
+          <a:lstStyle/>
+          <a:p>
+            <a:r>
+              <a:rPr lang="zh-CN" altLang="en-US" dirty="0" smtClean="0"/>
+              <a:t>后处理集合</a:t>
+            </a:r>
+            <a:r>
+              <a:rPr lang="en-US" altLang="zh-CN" dirty="0" smtClean="0"/>
+              <a:t>1</a:t>
+            </a:r>
+            <a:endParaRPr lang="zh-CN" altLang="en-US" dirty="0"/>
+          </a:p>
+        </p:txBody>
+      </p:sp>
+      <p:sp>
+        <p:nvSpPr>
+          <p:cNvPr id="3" name="内容占位符 2"/>
+          <p:cNvSpPr>
+            <a:spLocks noGrp="1"/>
+          </p:cNvSpPr>
+          <p:nvPr>
+            <p:ph idx="1"/>
+          </p:nvPr>
+        </p:nvSpPr>
+        <p:spPr/>
+        <p:txBody>
+          <a:bodyPr/>
+          <a:lstStyle/>
+          <a:p>
+            <a:endParaRPr lang="zh-CN" altLang="en-US"/>
+          </a:p>
+        </p:txBody>
+      </p:sp>
+    </p:spTree>
+    <p:extLst>
+      <p:ext uri="{BB962C8B-B14F-4D97-AF65-F5344CB8AC3E}">
+        <p14:creationId xmlns:p14="http://schemas.microsoft.com/office/powerpoint/2010/main" val="2619795378"/>
       </p:ext>
     </p:extLst>
   </p:cSld>
